--- a/避风行船.pptx
+++ b/避风行船.pptx
@@ -3444,7 +3444,7 @@
                 <a:latin typeface="华文宋体" panose="02010600040101010101" charset="-122"/>
                 <a:ea typeface="华文宋体" panose="02010600040101010101" charset="-122"/>
               </a:rPr>
-              <a:t>作者、背景</a:t>
+              <a:t>作者、写作背景</a:t>
             </a:r>
             <a:endParaRPr lang="zh-CN" altLang="en-US">
               <a:latin typeface="华文宋体" panose="02010600040101010101" charset="-122"/>
@@ -3753,7 +3753,7 @@
         <p:spPr>
           <a:xfrm>
             <a:off x="608330" y="3540125"/>
-            <a:ext cx="5487670" cy="2709545"/>
+            <a:ext cx="5487670" cy="2837180"/>
           </a:xfrm>
         </p:spPr>
         <p:txBody>
@@ -3762,86 +3762,97 @@
           </a:bodyPr>
           <a:p>
             <a:r>
-              <a:rPr lang="zh-CN" altLang="en-US" sz="1700">
+              <a:rPr lang="zh-CN" altLang="en-US" sz="1600">
                 <a:latin typeface="华文宋体" panose="02010600040101010101" charset="-122"/>
                 <a:ea typeface="华文宋体" panose="02010600040101010101" charset="-122"/>
               </a:rPr>
               <a:t>冬月：冬季。</a:t>
             </a:r>
+            <a:endParaRPr lang="zh-CN" altLang="en-US" sz="1600">
+              <a:latin typeface="华文宋体" panose="02010600040101010101" charset="-122"/>
+              <a:ea typeface="华文宋体" panose="02010600040101010101" charset="-122"/>
+            </a:endParaRPr>
+          </a:p>
+          <a:p>
+            <a:r>
+              <a:rPr lang="zh-CN" altLang="en-US" sz="1600">
+                <a:latin typeface="华文宋体" panose="02010600040101010101" charset="-122"/>
+                <a:ea typeface="华文宋体" panose="02010600040101010101" charset="-122"/>
+              </a:rPr>
+              <a:t>作：兴起、发作。有渐：渐渐。</a:t>
+            </a:r>
+            <a:endParaRPr lang="zh-CN" altLang="en-US" sz="1600">
+              <a:latin typeface="华文宋体" panose="02010600040101010101" charset="-122"/>
+              <a:ea typeface="华文宋体" panose="02010600040101010101" charset="-122"/>
+            </a:endParaRPr>
+          </a:p>
+          <a:p>
+            <a:r>
+              <a:rPr lang="zh-CN" altLang="en-US" sz="1600">
+                <a:latin typeface="华文宋体" panose="02010600040101010101" charset="-122"/>
+                <a:ea typeface="华文宋体" panose="02010600040101010101" charset="-122"/>
+              </a:rPr>
+              <a:t>可以：古今异义，可以凭借。</a:t>
+            </a:r>
+            <a:endParaRPr lang="zh-CN" altLang="en-US" sz="1600">
+              <a:latin typeface="华文宋体" panose="02010600040101010101" charset="-122"/>
+              <a:ea typeface="华文宋体" panose="02010600040101010101" charset="-122"/>
+            </a:endParaRPr>
+          </a:p>
+          <a:p>
+            <a:r>
+              <a:rPr lang="zh-CN" altLang="en-US" sz="1600">
+                <a:latin typeface="华文宋体" panose="02010600040101010101" charset="-122"/>
+                <a:ea typeface="华文宋体" panose="02010600040101010101" charset="-122"/>
+              </a:rPr>
+              <a:t>顾盼间：形容时间很短。顾盼，一回头一转眼。</a:t>
+            </a:r>
+            <a:endParaRPr lang="zh-CN" altLang="en-US" sz="1600">
+              <a:latin typeface="华文宋体" panose="02010600040101010101" charset="-122"/>
+              <a:ea typeface="华文宋体" panose="02010600040101010101" charset="-122"/>
+            </a:endParaRPr>
+          </a:p>
+          <a:p>
+            <a:r>
+              <a:rPr lang="zh-CN" altLang="en-US" sz="1600">
+                <a:latin typeface="华文宋体" panose="02010600040101010101" charset="-122"/>
+                <a:ea typeface="华文宋体" panose="02010600040101010101" charset="-122"/>
+              </a:rPr>
+              <a:t>罹难：遭遇灾祸。</a:t>
+            </a:r>
+            <a:r>
+              <a:rPr lang="zh-CN" altLang="en-US" sz="1600">
+                <a:latin typeface="华文宋体" panose="02010600040101010101" charset="-122"/>
+                <a:ea typeface="华文宋体" panose="02010600040101010101" charset="-122"/>
+                <a:sym typeface="+mn-ea"/>
+              </a:rPr>
+              <a:t>罹，遭遇。</a:t>
+            </a:r>
+            <a:endParaRPr lang="zh-CN" altLang="en-US" sz="1600">
+              <a:latin typeface="华文宋体" panose="02010600040101010101" charset="-122"/>
+              <a:ea typeface="华文宋体" panose="02010600040101010101" charset="-122"/>
+            </a:endParaRPr>
+          </a:p>
+          <a:p>
+            <a:r>
+              <a:rPr lang="zh-CN" altLang="en-US" sz="1600">
+                <a:latin typeface="华文宋体" panose="02010600040101010101" charset="-122"/>
+                <a:ea typeface="华文宋体" panose="02010600040101010101" charset="-122"/>
+              </a:rPr>
+              <a:t>江国：江河湖泊地区。贾人：商人。</a:t>
+            </a:r>
+            <a:endParaRPr lang="zh-CN" altLang="en-US" sz="1600">
+              <a:latin typeface="华文宋体" panose="02010600040101010101" charset="-122"/>
+              <a:ea typeface="华文宋体" panose="02010600040101010101" charset="-122"/>
+            </a:endParaRPr>
+          </a:p>
+          <a:p>
             <a:endParaRPr lang="zh-CN" altLang="en-US" sz="1700">
               <a:latin typeface="华文宋体" panose="02010600040101010101" charset="-122"/>
               <a:ea typeface="华文宋体" panose="02010600040101010101" charset="-122"/>
             </a:endParaRPr>
           </a:p>
           <a:p>
-            <a:r>
-              <a:rPr lang="zh-CN" altLang="en-US" sz="1700">
-                <a:latin typeface="华文宋体" panose="02010600040101010101" charset="-122"/>
-                <a:ea typeface="华文宋体" panose="02010600040101010101" charset="-122"/>
-              </a:rPr>
-              <a:t>有渐：渐渐。可以：古今异义，可以凭借。</a:t>
-            </a:r>
-            <a:endParaRPr lang="zh-CN" altLang="en-US" sz="1700">
-              <a:latin typeface="华文宋体" panose="02010600040101010101" charset="-122"/>
-              <a:ea typeface="华文宋体" panose="02010600040101010101" charset="-122"/>
-            </a:endParaRPr>
-          </a:p>
-          <a:p>
-            <a:r>
-              <a:rPr lang="zh-CN" altLang="en-US" sz="1700">
-                <a:latin typeface="华文宋体" panose="02010600040101010101" charset="-122"/>
-                <a:ea typeface="华文宋体" panose="02010600040101010101" charset="-122"/>
-              </a:rPr>
-              <a:t>顾盼间：形容时间很短。顾盼，一回头一转眼。</a:t>
-            </a:r>
-            <a:endParaRPr lang="zh-CN" altLang="en-US" sz="1700">
-              <a:latin typeface="华文宋体" panose="02010600040101010101" charset="-122"/>
-              <a:ea typeface="华文宋体" panose="02010600040101010101" charset="-122"/>
-            </a:endParaRPr>
-          </a:p>
-          <a:p>
-            <a:r>
-              <a:rPr lang="zh-CN" altLang="en-US" sz="1700">
-                <a:latin typeface="华文宋体" panose="02010600040101010101" charset="-122"/>
-                <a:ea typeface="华文宋体" panose="02010600040101010101" charset="-122"/>
-              </a:rPr>
-              <a:t>罹难：遭遇灾祸。这里是使动用法。</a:t>
-            </a:r>
-            <a:r>
-              <a:rPr lang="zh-CN" altLang="en-US" sz="1700">
-                <a:latin typeface="华文宋体" panose="02010600040101010101" charset="-122"/>
-                <a:ea typeface="华文宋体" panose="02010600040101010101" charset="-122"/>
-                <a:sym typeface="+mn-ea"/>
-              </a:rPr>
-              <a:t>罹，遭遇。</a:t>
-            </a:r>
-            <a:endParaRPr lang="zh-CN" altLang="en-US" sz="1700">
-              <a:latin typeface="华文宋体" panose="02010600040101010101" charset="-122"/>
-              <a:ea typeface="华文宋体" panose="02010600040101010101" charset="-122"/>
-            </a:endParaRPr>
-          </a:p>
-          <a:p>
-            <a:r>
-              <a:rPr lang="zh-CN" altLang="en-US" sz="1700">
-                <a:latin typeface="华文宋体" panose="02010600040101010101" charset="-122"/>
-                <a:ea typeface="华文宋体" panose="02010600040101010101" charset="-122"/>
-              </a:rPr>
-              <a:t>贾人：商人。</a:t>
-            </a:r>
-            <a:endParaRPr lang="zh-CN" altLang="en-US" sz="1700">
-              <a:latin typeface="华文宋体" panose="02010600040101010101" charset="-122"/>
-              <a:ea typeface="华文宋体" panose="02010600040101010101" charset="-122"/>
-            </a:endParaRPr>
-          </a:p>
-          <a:p>
-            <a:r>
-              <a:rPr lang="zh-CN" altLang="en-US" sz="1700">
-                <a:latin typeface="华文宋体" panose="02010600040101010101" charset="-122"/>
-                <a:ea typeface="华文宋体" panose="02010600040101010101" charset="-122"/>
-                <a:sym typeface="+mn-ea"/>
-              </a:rPr>
-              <a:t>大凡：大要、大概。</a:t>
-            </a:r>
             <a:endParaRPr lang="zh-CN" altLang="en-US" sz="1700">
               <a:latin typeface="华文宋体" panose="02010600040101010101" charset="-122"/>
               <a:ea typeface="华文宋体" panose="02010600040101010101" charset="-122"/>
@@ -3864,8 +3875,8 @@
         </p:nvSpPr>
         <p:spPr>
           <a:xfrm>
-            <a:off x="6223000" y="3667125"/>
-            <a:ext cx="5487670" cy="2709545"/>
+            <a:off x="6223000" y="3539490"/>
+            <a:ext cx="5487670" cy="2837180"/>
           </a:xfrm>
           <a:prstGeom prst="rect">
             <a:avLst/>
@@ -3873,7 +3884,7 @@
         </p:spPr>
         <p:txBody>
           <a:bodyPr vert="horz" lIns="90000" tIns="46800" rIns="90000" bIns="46800" rtlCol="0">
-            <a:normAutofit fontScale="90000"/>
+            <a:normAutofit fontScale="90000" lnSpcReduction="10000"/>
           </a:bodyPr>
           <a:lstStyle>
             <a:lvl1pPr marL="228600" indent="-228600" algn="l" defTabSz="914400" rtl="0" eaLnBrk="1" fontAlgn="auto" latinLnBrk="0" hangingPunct="1">
@@ -4087,6 +4098,21 @@
                 <a:ea typeface="华文宋体" panose="02010600040101010101" charset="-122"/>
                 <a:sym typeface="+mn-ea"/>
               </a:rPr>
+              <a:t>大凡：大要、大概。</a:t>
+            </a:r>
+            <a:endParaRPr lang="zh-CN" altLang="en-US">
+              <a:latin typeface="华文宋体" panose="02010600040101010101" charset="-122"/>
+              <a:ea typeface="华文宋体" panose="02010600040101010101" charset="-122"/>
+              <a:sym typeface="+mn-ea"/>
+            </a:endParaRPr>
+          </a:p>
+          <a:p>
+            <a:r>
+              <a:rPr lang="zh-CN" altLang="en-US">
+                <a:latin typeface="华文宋体" panose="02010600040101010101" charset="-122"/>
+                <a:ea typeface="华文宋体" panose="02010600040101010101" charset="-122"/>
+                <a:sym typeface="+mn-ea"/>
+              </a:rPr>
               <a:t>风景：古今异义，大风发作的迹象。景，指迹象。</a:t>
             </a:r>
             <a:endParaRPr lang="zh-CN" altLang="en-US">
@@ -4243,7 +4269,7 @@
                 <a:ea typeface="华文宋体" panose="02010600040101010101" charset="-122"/>
                 <a:cs typeface="华文宋体" panose="02010600040101010101" charset="-122"/>
               </a:rPr>
-              <a:t>江湖间唯畏大风。</a:t>
+              <a:t>江湖间唯畏大风。冬月风作有渐</a:t>
             </a:r>
             <a:r>
               <a:rPr lang="en-US" altLang="zh-CN" sz="2400" baseline="30000">
@@ -4251,6 +4277,22 @@
                 <a:ea typeface="华文宋体" panose="02010600040101010101" charset="-122"/>
                 <a:cs typeface="华文宋体" panose="02010600040101010101" charset="-122"/>
               </a:rPr>
+              <a:t>1</a:t>
+            </a:r>
+            <a:r>
+              <a:rPr lang="zh-CN" altLang="en-US" sz="2400">
+                <a:latin typeface="华文宋体" panose="02010600040101010101" charset="-122"/>
+                <a:ea typeface="华文宋体" panose="02010600040101010101" charset="-122"/>
+                <a:cs typeface="华文宋体" panose="02010600040101010101" charset="-122"/>
+              </a:rPr>
+              <a:t>，船行可以为备</a:t>
+            </a:r>
+            <a:r>
+              <a:rPr lang="en-US" altLang="zh-CN" sz="2400" baseline="30000">
+                <a:latin typeface="华文宋体" panose="02010600040101010101" charset="-122"/>
+                <a:ea typeface="华文宋体" panose="02010600040101010101" charset="-122"/>
+                <a:cs typeface="华文宋体" panose="02010600040101010101" charset="-122"/>
+              </a:rPr>
               <a:t>4</a:t>
             </a:r>
             <a:r>
@@ -4259,118 +4301,7 @@
                 <a:ea typeface="华文宋体" panose="02010600040101010101" charset="-122"/>
                 <a:cs typeface="华文宋体" panose="02010600040101010101" charset="-122"/>
               </a:rPr>
-              <a:t>省略</a:t>
-            </a:r>
-            <a:r>
-              <a:rPr lang="en-US" altLang="zh-CN" sz="2400" b="0" i="1">
-                <a:latin typeface="华文宋体" panose="02010600040101010101" charset="-122"/>
-                <a:ea typeface="华文宋体" panose="02010600040101010101" charset="-122"/>
-                <a:cs typeface="华文宋体" panose="02010600040101010101" charset="-122"/>
-              </a:rPr>
-              <a:t>“</a:t>
-            </a:r>
-            <a:r>
-              <a:rPr lang="zh-CN" altLang="en-US" sz="2400" b="0" i="1">
-                <a:latin typeface="华文宋体" panose="02010600040101010101" charset="-122"/>
-                <a:ea typeface="华文宋体" panose="02010600040101010101" charset="-122"/>
-                <a:cs typeface="华文宋体" panose="02010600040101010101" charset="-122"/>
-              </a:rPr>
-              <a:t>行船</a:t>
-            </a:r>
-            <a:r>
-              <a:rPr lang="en-US" altLang="zh-CN" sz="2400" b="0" i="1">
-                <a:latin typeface="华文宋体" panose="02010600040101010101" charset="-122"/>
-                <a:ea typeface="华文宋体" panose="02010600040101010101" charset="-122"/>
-                <a:cs typeface="华文宋体" panose="02010600040101010101" charset="-122"/>
-              </a:rPr>
-              <a:t>”</a:t>
-            </a:r>
-            <a:br>
-              <a:rPr lang="zh-CN" altLang="en-US" sz="2400" b="0" i="1">
-                <a:latin typeface="华文宋体" panose="02010600040101010101" charset="-122"/>
-                <a:ea typeface="华文宋体" panose="02010600040101010101" charset="-122"/>
-                <a:cs typeface="华文宋体" panose="02010600040101010101" charset="-122"/>
-              </a:rPr>
-            </a:br>
-            <a:r>
-              <a:rPr lang="zh-CN" altLang="en-US" sz="2400">
-                <a:latin typeface="华文宋体" panose="02010600040101010101" charset="-122"/>
-                <a:ea typeface="华文宋体" panose="02010600040101010101" charset="-122"/>
-                <a:cs typeface="华文宋体" panose="02010600040101010101" charset="-122"/>
-              </a:rPr>
-              <a:t>冬月风作有渐</a:t>
-            </a:r>
-            <a:r>
-              <a:rPr lang="en-US" altLang="zh-CN" sz="2400" baseline="30000">
-                <a:latin typeface="华文宋体" panose="02010600040101010101" charset="-122"/>
-                <a:ea typeface="华文宋体" panose="02010600040101010101" charset="-122"/>
-                <a:cs typeface="华文宋体" panose="02010600040101010101" charset="-122"/>
-              </a:rPr>
-              <a:t>1</a:t>
-            </a:r>
-            <a:r>
-              <a:rPr lang="zh-CN" altLang="en-US" sz="2400">
-                <a:latin typeface="华文宋体" panose="02010600040101010101" charset="-122"/>
-                <a:ea typeface="华文宋体" panose="02010600040101010101" charset="-122"/>
-                <a:cs typeface="华文宋体" panose="02010600040101010101" charset="-122"/>
-              </a:rPr>
-              <a:t>，船行可以为备</a:t>
-            </a:r>
-            <a:r>
-              <a:rPr lang="en-US" altLang="en-US" sz="2400" baseline="30000">
-                <a:latin typeface="华文宋体" panose="02010600040101010101" charset="-122"/>
-                <a:ea typeface="华文宋体" panose="02010600040101010101" charset="-122"/>
-                <a:cs typeface="华文宋体" panose="02010600040101010101" charset="-122"/>
-              </a:rPr>
-              <a:t>34</a:t>
-            </a:r>
-            <a:r>
-              <a:rPr lang="zh-CN" altLang="en-US" sz="2400" b="0" i="1">
-                <a:latin typeface="华文宋体" panose="02010600040101010101" charset="-122"/>
-                <a:ea typeface="华文宋体" panose="02010600040101010101" charset="-122"/>
-                <a:cs typeface="华文宋体" panose="02010600040101010101" charset="-122"/>
-              </a:rPr>
-              <a:t>省略状语</a:t>
-            </a:r>
-            <a:r>
-              <a:rPr lang="en-US" altLang="zh-CN" sz="2400" b="0" i="1">
-                <a:latin typeface="华文宋体" panose="02010600040101010101" charset="-122"/>
-                <a:ea typeface="华文宋体" panose="02010600040101010101" charset="-122"/>
-                <a:cs typeface="华文宋体" panose="02010600040101010101" charset="-122"/>
-              </a:rPr>
-              <a:t>“</a:t>
-            </a:r>
-            <a:r>
-              <a:rPr lang="zh-CN" altLang="en-US" sz="2400" b="0" i="1">
-                <a:latin typeface="华文宋体" panose="02010600040101010101" charset="-122"/>
-                <a:ea typeface="华文宋体" panose="02010600040101010101" charset="-122"/>
-                <a:cs typeface="华文宋体" panose="02010600040101010101" charset="-122"/>
-              </a:rPr>
-              <a:t>在</a:t>
-            </a:r>
-            <a:r>
-              <a:rPr lang="en-US" altLang="zh-CN" sz="2400" b="0" i="1">
-                <a:latin typeface="华文宋体" panose="02010600040101010101" charset="-122"/>
-                <a:ea typeface="华文宋体" panose="02010600040101010101" charset="-122"/>
-                <a:cs typeface="华文宋体" panose="02010600040101010101" charset="-122"/>
-              </a:rPr>
-              <a:t>……</a:t>
-            </a:r>
-            <a:r>
-              <a:rPr lang="zh-CN" altLang="en-US" sz="2400" b="0" i="1">
-                <a:latin typeface="华文宋体" panose="02010600040101010101" charset="-122"/>
-                <a:ea typeface="华文宋体" panose="02010600040101010101" charset="-122"/>
-                <a:cs typeface="华文宋体" panose="02010600040101010101" charset="-122"/>
-              </a:rPr>
-              <a:t>的时候</a:t>
-            </a:r>
-            <a:r>
-              <a:rPr lang="en-US" altLang="zh-CN" sz="2400" b="0" i="1">
-                <a:latin typeface="华文宋体" panose="02010600040101010101" charset="-122"/>
-                <a:ea typeface="华文宋体" panose="02010600040101010101" charset="-122"/>
-                <a:cs typeface="华文宋体" panose="02010600040101010101" charset="-122"/>
-              </a:rPr>
-              <a:t>”</a:t>
+              <a:t>省略代词</a:t>
             </a:r>
             <a:r>
               <a:rPr lang="zh-CN" altLang="en-US" sz="2400">
@@ -4501,55 +4432,7 @@
                 <a:ea typeface="华文宋体" panose="02010600040101010101" charset="-122"/>
                 <a:cs typeface="华文宋体" panose="02010600040101010101" charset="-122"/>
               </a:rPr>
-              <a:t>生平游江湖</a:t>
-            </a:r>
-            <a:r>
-              <a:rPr lang="en-US" altLang="zh-CN" sz="2400" baseline="30000">
-                <a:latin typeface="华文宋体" panose="02010600040101010101" charset="-122"/>
-                <a:ea typeface="华文宋体" panose="02010600040101010101" charset="-122"/>
-                <a:cs typeface="华文宋体" panose="02010600040101010101" charset="-122"/>
-              </a:rPr>
-              <a:t>4</a:t>
-            </a:r>
-            <a:r>
-              <a:rPr lang="zh-CN" altLang="en-US" sz="2400" b="0" i="1">
-                <a:latin typeface="华文宋体" panose="02010600040101010101" charset="-122"/>
-                <a:ea typeface="华文宋体" panose="02010600040101010101" charset="-122"/>
-                <a:cs typeface="华文宋体" panose="02010600040101010101" charset="-122"/>
-              </a:rPr>
-              <a:t>省略主语</a:t>
-            </a:r>
-            <a:r>
-              <a:rPr lang="en-US" altLang="zh-CN" sz="2400" b="0" i="1">
-                <a:latin typeface="华文宋体" panose="02010600040101010101" charset="-122"/>
-                <a:ea typeface="华文宋体" panose="02010600040101010101" charset="-122"/>
-                <a:cs typeface="华文宋体" panose="02010600040101010101" charset="-122"/>
-              </a:rPr>
-              <a:t>“</a:t>
-            </a:r>
-            <a:r>
-              <a:rPr lang="zh-CN" altLang="en-US" sz="2400" b="0" i="1">
-                <a:latin typeface="华文宋体" panose="02010600040101010101" charset="-122"/>
-                <a:ea typeface="华文宋体" panose="02010600040101010101" charset="-122"/>
-                <a:cs typeface="华文宋体" panose="02010600040101010101" charset="-122"/>
-              </a:rPr>
-              <a:t>我</a:t>
-            </a:r>
-            <a:r>
-              <a:rPr lang="en-US" altLang="zh-CN" sz="2400" b="0" i="1">
-                <a:latin typeface="华文宋体" panose="02010600040101010101" charset="-122"/>
-                <a:ea typeface="华文宋体" panose="02010600040101010101" charset="-122"/>
-                <a:cs typeface="华文宋体" panose="02010600040101010101" charset="-122"/>
-              </a:rPr>
-              <a:t>”</a:t>
-            </a:r>
-            <a:r>
-              <a:rPr lang="zh-CN" altLang="en-US" sz="2400">
-                <a:latin typeface="华文宋体" panose="02010600040101010101" charset="-122"/>
-                <a:ea typeface="华文宋体" panose="02010600040101010101" charset="-122"/>
-                <a:cs typeface="华文宋体" panose="02010600040101010101" charset="-122"/>
-              </a:rPr>
-              <a:t>，未尝遇风，用此术。</a:t>
+              <a:t>生平游江湖，未尝遇风，用此术。</a:t>
             </a:r>
             <a:r>
               <a:rPr lang="en-US" altLang="zh-CN" sz="2400">
@@ -5170,7 +5053,7 @@
                 <a:ea typeface="华文宋体" panose="02010600040101010101" charset="-122"/>
                 <a:sym typeface="+mn-ea"/>
               </a:rPr>
-              <a:t>在江河上行船最怕遇到大风。冬天起风时风力由小渐渐变大，在行船时可以提前有所准备；但是盛夏的风一转眼就刮起来了，常常使行舟的人遭遇灾难。曾经听说水乡的商人有一种行船方法，</a:t>
+              <a:t>在江河上行船最怕遇到大风。冬天起风时风力由小渐渐变大，在行船时可以提前有所准备；但是盛夏的风一转眼就刮起来了，常常使行舟的人遭遇灾难。曾经听说江南的商人有一种行船方法，</a:t>
             </a:r>
             <a:r>
               <a:rPr lang="zh-CN" altLang="en-US">
@@ -5322,6 +5205,21 @@
                 <a:ea typeface="华文宋体" panose="02010600040101010101" charset="-122"/>
                 <a:cs typeface="华文宋体" panose="02010600040101010101" charset="-122"/>
               </a:rPr>
+              <a:t>作者引用江国贾人和李元规的话来作论据，有名有姓，由此可见作者严谨科学的治学态度。</a:t>
+            </a:r>
+            <a:endParaRPr lang="zh-CN" altLang="en-US" sz="2400">
+              <a:latin typeface="华文宋体" panose="02010600040101010101" charset="-122"/>
+              <a:ea typeface="华文宋体" panose="02010600040101010101" charset="-122"/>
+              <a:cs typeface="华文宋体" panose="02010600040101010101" charset="-122"/>
+            </a:endParaRPr>
+          </a:p>
+          <a:p>
+            <a:r>
+              <a:rPr lang="zh-CN" altLang="en-US" sz="2400">
+                <a:latin typeface="华文宋体" panose="02010600040101010101" charset="-122"/>
+                <a:ea typeface="华文宋体" panose="02010600040101010101" charset="-122"/>
+                <a:cs typeface="华文宋体" panose="02010600040101010101" charset="-122"/>
+              </a:rPr>
               <a:t>经验是在实践中产生的，是客观事物在人们头脑中的反映，是认识的开端。经验一般而言是有效的，但孔子曾经说过：</a:t>
             </a:r>
             <a:r>
@@ -5354,7 +5252,7 @@
                 <a:ea typeface="华文宋体" panose="02010600040101010101" charset="-122"/>
                 <a:cs typeface="华文宋体" panose="02010600040101010101" charset="-122"/>
               </a:rPr>
-              <a:t>，因此将经验上升到背后的理论是更加重要的。其次，不能迷信经验，否则经验就是你日后的绊脚石，会成为你未来进步的最大阻碍。</a:t>
+              <a:t>，因此将经验上升到背后的理论是更加重要的。总之，不能迷信经验，否则经验就是你日后的绊脚石，会成为你未来进步的最大阻碍。</a:t>
             </a:r>
             <a:endParaRPr lang="zh-CN" altLang="en-US" sz="2400">
               <a:latin typeface="华文宋体" panose="02010600040101010101" charset="-122"/>
@@ -6306,6 +6204,7 @@
 <file path=ppt/tags/tag75.xml><?xml version="1.0" encoding="utf-8"?>
 <p:tagLst xmlns:p="http://schemas.openxmlformats.org/presentationml/2006/main">
   <p:tag name="COMMONDATA" val="eyJoZGlkIjoiOWFiZGU2NDc3OWFlNTkwZDU4NTNmZjUyOGMwNTZjMDAifQ=="/>
+  <p:tag name="KSO_WPP_MARK_KEY" val="87fbd642-836b-4c2a-83db-c95b7cd2bdd1"/>
 </p:tagLst>
 </file>
 
